--- a/spring12/slidesS12/combinatorial-proof.pptx
+++ b/spring12/slidesS12/combinatorial-proof.pptx
@@ -3506,15 +3506,7 @@
             </a:r>
             <a:r>
               <a:rPr lang="en-US" dirty="0" smtClean="0"/>
-              <a:t> </a:t>
-            </a:r>
-            <a:r>
-              <a:rPr lang="en-US" dirty="0" smtClean="0"/>
-              <a:t>11M.‹</a:t>
-            </a:r>
-            <a:r>
-              <a:rPr lang="en-US" dirty="0" smtClean="0"/>
-              <a:t>#›</a:t>
+              <a:t> 11M.‹#›</a:t>
             </a:r>
             <a:endParaRPr lang="en-US" dirty="0"/>
           </a:p>
@@ -3663,15 +3655,7 @@
             </a:r>
             <a:r>
               <a:rPr lang="en-US" dirty="0" smtClean="0"/>
-              <a:t> </a:t>
-            </a:r>
-            <a:r>
-              <a:rPr lang="en-US" dirty="0" smtClean="0"/>
-              <a:t>11M.‹</a:t>
-            </a:r>
-            <a:r>
-              <a:rPr lang="en-US" dirty="0" smtClean="0"/>
-              <a:t>#›</a:t>
+              <a:t> 11M.‹#›</a:t>
             </a:r>
             <a:endParaRPr lang="en-US" dirty="0"/>
           </a:p>
@@ -3768,15 +3752,7 @@
             </a:r>
             <a:r>
               <a:rPr lang="en-US" dirty="0" smtClean="0"/>
-              <a:t> </a:t>
-            </a:r>
-            <a:r>
-              <a:rPr lang="en-US" dirty="0" smtClean="0"/>
-              <a:t>11M.‹</a:t>
-            </a:r>
-            <a:r>
-              <a:rPr lang="en-US" dirty="0" smtClean="0"/>
-              <a:t>#›</a:t>
+              <a:t> 11M.‹#›</a:t>
             </a:r>
             <a:endParaRPr lang="en-US" dirty="0"/>
           </a:p>
@@ -3850,15 +3826,7 @@
             </a:r>
             <a:r>
               <a:rPr lang="en-US" dirty="0" smtClean="0"/>
-              <a:t> </a:t>
-            </a:r>
-            <a:r>
-              <a:rPr lang="en-US" dirty="0" smtClean="0"/>
-              <a:t>11M.‹</a:t>
-            </a:r>
-            <a:r>
-              <a:rPr lang="en-US" dirty="0" smtClean="0"/>
-              <a:t>#›</a:t>
+              <a:t> 11M.‹#›</a:t>
             </a:r>
             <a:endParaRPr lang="en-US" dirty="0"/>
           </a:p>
@@ -4126,15 +4094,7 @@
             </a:r>
             <a:r>
               <a:rPr lang="en-US" dirty="0" smtClean="0"/>
-              <a:t> </a:t>
-            </a:r>
-            <a:r>
-              <a:rPr lang="en-US" dirty="0" smtClean="0"/>
-              <a:t>11M</a:t>
-            </a:r>
-            <a:r>
-              <a:rPr lang="en-US" dirty="0" smtClean="0"/>
-              <a:t>.</a:t>
+              <a:t> 11M.</a:t>
             </a:r>
             <a:fld id="{69D5B163-A3FA-4490-BF47-D2D4336659F3}" type="slidenum">
               <a:rPr lang="en-US" smtClean="0"/>
@@ -4198,22 +4158,7 @@
                 <a:uFillTx/>
                 <a:latin typeface="Comic Sans MS" pitchFamily="66" charset="0"/>
               </a:rPr>
-              <a:t>Albert R Meyer,          </a:t>
-            </a:r>
-            <a:r>
-              <a:rPr kumimoji="0" lang="en-US" sz="1200" b="0" i="0" u="none" strike="noStrike" kern="1200" cap="none" spc="0" normalizeH="0" baseline="0" noProof="0" dirty="0" smtClean="0">
-                <a:ln>
-                  <a:noFill/>
-                </a:ln>
-                <a:solidFill>
-                  <a:schemeClr val="tx1"/>
-                </a:solidFill>
-                <a:effectLst/>
-                <a:uLnTx/>
-                <a:uFillTx/>
-                <a:latin typeface="Comic Sans MS" pitchFamily="66" charset="0"/>
-              </a:rPr>
-              <a:t>April 23, 2012</a:t>
+              <a:t>Albert R Meyer,          April 23, 2012</a:t>
             </a:r>
             <a:endParaRPr kumimoji="0" lang="en-US" sz="1200" b="0" i="0" u="none" strike="noStrike" kern="1200" cap="none" spc="0" normalizeH="0" baseline="0" noProof="0" dirty="0">
               <a:ln>
@@ -4713,13 +4658,7 @@
               <a:rPr lang="en-US" sz="1000" dirty="0" smtClean="0">
                 <a:latin typeface="Comic Sans MS" pitchFamily="66" charset="0"/>
               </a:rPr>
-              <a:t> </a:t>
-            </a:r>
-            <a:r>
-              <a:rPr lang="en-US" sz="1000" dirty="0" smtClean="0">
-                <a:latin typeface="Comic Sans MS" pitchFamily="66" charset="0"/>
-              </a:rPr>
-              <a:t>11M.1</a:t>
+              <a:t> 11M.1</a:t>
             </a:r>
             <a:endParaRPr lang="en-US" sz="1000" dirty="0">
               <a:latin typeface="Comic Sans MS" pitchFamily="66" charset="0"/>
@@ -4957,13 +4896,7 @@
               <a:rPr lang="en-US" sz="1000" dirty="0" smtClean="0">
                 <a:latin typeface="Comic Sans MS" pitchFamily="66" charset="0"/>
               </a:rPr>
-              <a:t> </a:t>
-            </a:r>
-            <a:r>
-              <a:rPr lang="en-US" sz="1000" dirty="0" smtClean="0">
-                <a:latin typeface="Comic Sans MS" pitchFamily="66" charset="0"/>
-              </a:rPr>
-              <a:t>11M.30</a:t>
+              <a:t> 11M.30</a:t>
             </a:r>
             <a:endParaRPr lang="en-US" sz="1000" dirty="0">
               <a:latin typeface="Comic Sans MS" pitchFamily="66" charset="0"/>
@@ -4987,7 +4920,7 @@
           <a:graphicData uri="http://schemas.openxmlformats.org/presentationml/2006/ole">
             <mc:AlternateContent xmlns:mc="http://schemas.openxmlformats.org/markup-compatibility/2006">
               <mc:Choice xmlns:v="urn:schemas-microsoft-com:vml" Requires="v">
-                <p:oleObj spid="_x0000_s23583" name="Equation" r:id="rId4" imgW="435285" imgH="677109" progId="Equation.DSMT4">
+                <p:oleObj spid="_x0000_s23586" name="Equation" r:id="rId4" imgW="435285" imgH="677109" progId="Equation.DSMT4">
                   <p:embed/>
                 </p:oleObj>
               </mc:Choice>
@@ -5180,7 +5113,7 @@
           <a:graphicData uri="http://schemas.openxmlformats.org/presentationml/2006/ole">
             <mc:AlternateContent xmlns:mc="http://schemas.openxmlformats.org/markup-compatibility/2006">
               <mc:Choice xmlns:v="urn:schemas-microsoft-com:vml" Requires="v">
-                <p:oleObj spid="_x0000_s23584" name="Equation" r:id="rId6" imgW="901700" imgH="698500" progId="Equation.DSMT4">
+                <p:oleObj spid="_x0000_s23587" name="Equation" r:id="rId6" imgW="901700" imgH="698500" progId="Equation.DSMT4">
                   <p:embed/>
                 </p:oleObj>
               </mc:Choice>
@@ -5311,13 +5244,7 @@
               <a:rPr lang="en-US" sz="1000" dirty="0" smtClean="0">
                 <a:latin typeface="Comic Sans MS" pitchFamily="66" charset="0"/>
               </a:rPr>
-              <a:t> </a:t>
-            </a:r>
-            <a:r>
-              <a:rPr lang="en-US" sz="1000" dirty="0" smtClean="0">
-                <a:latin typeface="Comic Sans MS" pitchFamily="66" charset="0"/>
-              </a:rPr>
-              <a:t>11M.30</a:t>
+              <a:t> 11M.30</a:t>
             </a:r>
             <a:endParaRPr lang="en-US" sz="1000" dirty="0">
               <a:latin typeface="Comic Sans MS" pitchFamily="66" charset="0"/>
@@ -5341,7 +5268,7 @@
           <a:graphicData uri="http://schemas.openxmlformats.org/presentationml/2006/ole">
             <mc:AlternateContent xmlns:mc="http://schemas.openxmlformats.org/markup-compatibility/2006">
               <mc:Choice xmlns:v="urn:schemas-microsoft-com:vml" Requires="v">
-                <p:oleObj spid="_x0000_s164892" name="Equation" r:id="rId4" imgW="435285" imgH="677109" progId="Equation.DSMT4">
+                <p:oleObj spid="_x0000_s164895" name="Equation" r:id="rId4" imgW="435285" imgH="677109" progId="Equation.DSMT4">
                   <p:embed/>
                 </p:oleObj>
               </mc:Choice>
@@ -5417,7 +5344,7 @@
           <a:graphicData uri="http://schemas.openxmlformats.org/presentationml/2006/ole">
             <mc:AlternateContent xmlns:mc="http://schemas.openxmlformats.org/markup-compatibility/2006">
               <mc:Choice xmlns:v="urn:schemas-microsoft-com:vml" Requires="v">
-                <p:oleObj spid="_x0000_s164893" name="Equation" r:id="rId6" imgW="1168400" imgH="990600" progId="Equation.DSMT4">
+                <p:oleObj spid="_x0000_s164896" name="Equation" r:id="rId6" imgW="1168400" imgH="990600" progId="Equation.DSMT4">
                   <p:embed/>
                 </p:oleObj>
               </mc:Choice>
@@ -5671,13 +5598,7 @@
               <a:rPr lang="en-US" sz="1000" dirty="0" smtClean="0">
                 <a:latin typeface="Comic Sans MS" pitchFamily="66" charset="0"/>
               </a:rPr>
-              <a:t> </a:t>
-            </a:r>
-            <a:r>
-              <a:rPr lang="en-US" sz="1000" dirty="0" smtClean="0">
-                <a:latin typeface="Comic Sans MS" pitchFamily="66" charset="0"/>
-              </a:rPr>
-              <a:t>11M.31</a:t>
+              <a:t> 11M.31</a:t>
             </a:r>
             <a:endParaRPr lang="en-US" sz="1000" dirty="0">
               <a:latin typeface="Comic Sans MS" pitchFamily="66" charset="0"/>
@@ -5701,7 +5622,7 @@
           <a:graphicData uri="http://schemas.openxmlformats.org/presentationml/2006/ole">
             <mc:AlternateContent xmlns:mc="http://schemas.openxmlformats.org/markup-compatibility/2006">
               <mc:Choice xmlns:v="urn:schemas-microsoft-com:vml" Requires="v">
-                <p:oleObj spid="_x0000_s24604" name="Equation" r:id="rId4" imgW="435285" imgH="677109" progId="Equation.DSMT4">
+                <p:oleObj spid="_x0000_s24607" name="Equation" r:id="rId4" imgW="435285" imgH="677109" progId="Equation.DSMT4">
                   <p:embed/>
                 </p:oleObj>
               </mc:Choice>
@@ -5771,7 +5692,7 @@
           <a:graphicData uri="http://schemas.openxmlformats.org/presentationml/2006/ole">
             <mc:AlternateContent xmlns:mc="http://schemas.openxmlformats.org/markup-compatibility/2006">
               <mc:Choice xmlns:v="urn:schemas-microsoft-com:vml" Requires="v">
-                <p:oleObj spid="_x0000_s24605" name="Equation" r:id="rId6" imgW="1270000" imgH="1003300" progId="Equation.DSMT4">
+                <p:oleObj spid="_x0000_s24608" name="Equation" r:id="rId6" imgW="1270000" imgH="1003300" progId="Equation.DSMT4">
                   <p:embed/>
                 </p:oleObj>
               </mc:Choice>
@@ -6025,13 +5946,7 @@
               <a:rPr lang="en-US" sz="1000" dirty="0" smtClean="0">
                 <a:latin typeface="Comic Sans MS" pitchFamily="66" charset="0"/>
               </a:rPr>
-              <a:t> </a:t>
-            </a:r>
-            <a:r>
-              <a:rPr lang="en-US" sz="1000" dirty="0" smtClean="0">
-                <a:latin typeface="Comic Sans MS" pitchFamily="66" charset="0"/>
-              </a:rPr>
-              <a:t>11M.32</a:t>
+              <a:t> 11M.32</a:t>
             </a:r>
             <a:endParaRPr lang="en-US" sz="1000" dirty="0">
               <a:latin typeface="Comic Sans MS" pitchFamily="66" charset="0"/>
@@ -6055,7 +5970,7 @@
           <a:graphicData uri="http://schemas.openxmlformats.org/presentationml/2006/ole">
             <mc:AlternateContent xmlns:mc="http://schemas.openxmlformats.org/markup-compatibility/2006">
               <mc:Choice xmlns:v="urn:schemas-microsoft-com:vml" Requires="v">
-                <p:oleObj spid="_x0000_s25628" name="Equation" r:id="rId4" imgW="435285" imgH="677109" progId="Equation.DSMT4">
+                <p:oleObj spid="_x0000_s25631" name="Equation" r:id="rId4" imgW="435285" imgH="677109" progId="Equation.DSMT4">
                   <p:embed/>
                 </p:oleObj>
               </mc:Choice>
@@ -6125,7 +6040,7 @@
           <a:graphicData uri="http://schemas.openxmlformats.org/presentationml/2006/ole">
             <mc:AlternateContent xmlns:mc="http://schemas.openxmlformats.org/markup-compatibility/2006">
               <mc:Choice xmlns:v="urn:schemas-microsoft-com:vml" Requires="v">
-                <p:oleObj spid="_x0000_s25629" name="Equation" r:id="rId6" imgW="1270000" imgH="825500" progId="Equation.DSMT4">
+                <p:oleObj spid="_x0000_s25632" name="Equation" r:id="rId6" imgW="1270000" imgH="825500" progId="Equation.DSMT4">
                   <p:embed/>
                 </p:oleObj>
               </mc:Choice>
@@ -6514,13 +6429,7 @@
               <a:rPr lang="en-US" sz="1000" dirty="0" smtClean="0">
                 <a:latin typeface="Comic Sans MS" pitchFamily="66" charset="0"/>
               </a:rPr>
-              <a:t> </a:t>
-            </a:r>
-            <a:r>
-              <a:rPr lang="en-US" sz="1000" dirty="0" smtClean="0">
-                <a:latin typeface="Comic Sans MS" pitchFamily="66" charset="0"/>
-              </a:rPr>
-              <a:t>11M.33</a:t>
+              <a:t> 11M.33</a:t>
             </a:r>
             <a:endParaRPr lang="en-US" sz="1000" dirty="0">
               <a:latin typeface="Comic Sans MS" pitchFamily="66" charset="0"/>
@@ -6544,7 +6453,7 @@
           <a:graphicData uri="http://schemas.openxmlformats.org/presentationml/2006/ole">
             <mc:AlternateContent xmlns:mc="http://schemas.openxmlformats.org/markup-compatibility/2006">
               <mc:Choice xmlns:v="urn:schemas-microsoft-com:vml" Requires="v">
-                <p:oleObj spid="_x0000_s26652" name="Equation" r:id="rId4" imgW="435285" imgH="677109" progId="Equation.DSMT4">
+                <p:oleObj spid="_x0000_s26655" name="Equation" r:id="rId4" imgW="435285" imgH="677109" progId="Equation.DSMT4">
                   <p:embed/>
                 </p:oleObj>
               </mc:Choice>
@@ -6710,7 +6619,7 @@
           <a:graphicData uri="http://schemas.openxmlformats.org/presentationml/2006/ole">
             <mc:AlternateContent xmlns:mc="http://schemas.openxmlformats.org/markup-compatibility/2006">
               <mc:Choice xmlns:v="urn:schemas-microsoft-com:vml" Requires="v">
-                <p:oleObj spid="_x0000_s26653" name="Equation" r:id="rId6" imgW="990600" imgH="596900" progId="Equation.DSMT4">
+                <p:oleObj spid="_x0000_s26656" name="Equation" r:id="rId6" imgW="990600" imgH="596900" progId="Equation.DSMT4">
                   <p:embed/>
                 </p:oleObj>
               </mc:Choice>
@@ -7150,13 +7059,7 @@
               <a:rPr lang="en-US" sz="1000" dirty="0" smtClean="0">
                 <a:latin typeface="Comic Sans MS" pitchFamily="66" charset="0"/>
               </a:rPr>
-              <a:t> </a:t>
-            </a:r>
-            <a:r>
-              <a:rPr lang="en-US" sz="1000" dirty="0" smtClean="0">
-                <a:latin typeface="Comic Sans MS" pitchFamily="66" charset="0"/>
-              </a:rPr>
-              <a:t>11M.22</a:t>
+              <a:t> 11M.22</a:t>
             </a:r>
             <a:endParaRPr lang="en-US" sz="1000" dirty="0">
               <a:latin typeface="Comic Sans MS" pitchFamily="66" charset="0"/>
@@ -7212,7 +7115,7 @@
           <a:graphicData uri="http://schemas.openxmlformats.org/presentationml/2006/ole">
             <mc:AlternateContent xmlns:mc="http://schemas.openxmlformats.org/markup-compatibility/2006">
               <mc:Choice xmlns:v="urn:schemas-microsoft-com:vml" Requires="v">
-                <p:oleObj spid="_x0000_s15388" name="Equation" r:id="rId4" imgW="1295280" imgH="457200" progId="Equation.DSMT4">
+                <p:oleObj spid="_x0000_s15391" name="Equation" r:id="rId4" imgW="1295280" imgH="457200" progId="Equation.DSMT4">
                   <p:embed/>
                 </p:oleObj>
               </mc:Choice>
@@ -7344,7 +7247,7 @@
           <a:graphicData uri="http://schemas.openxmlformats.org/presentationml/2006/ole">
             <mc:AlternateContent xmlns:mc="http://schemas.openxmlformats.org/markup-compatibility/2006">
               <mc:Choice xmlns:v="urn:schemas-microsoft-com:vml" Requires="v">
-                <p:oleObj spid="_x0000_s15389" name="Equation" r:id="rId6" imgW="2705040" imgH="457200" progId="Equation.DSMT4">
+                <p:oleObj spid="_x0000_s15392" name="Equation" r:id="rId6" imgW="2705040" imgH="457200" progId="Equation.DSMT4">
                   <p:embed/>
                 </p:oleObj>
               </mc:Choice>
@@ -7604,13 +7507,7 @@
               <a:rPr lang="en-US" sz="1000" dirty="0" smtClean="0">
                 <a:latin typeface="Comic Sans MS" pitchFamily="66" charset="0"/>
               </a:rPr>
-              <a:t> </a:t>
-            </a:r>
-            <a:r>
-              <a:rPr lang="en-US" sz="1000" dirty="0" smtClean="0">
-                <a:latin typeface="Comic Sans MS" pitchFamily="66" charset="0"/>
-              </a:rPr>
-              <a:t>11M.23</a:t>
+              <a:t> 11M.23</a:t>
             </a:r>
             <a:endParaRPr lang="en-US" sz="1000" dirty="0">
               <a:latin typeface="Comic Sans MS" pitchFamily="66" charset="0"/>
@@ -7634,7 +7531,7 @@
           <a:graphicData uri="http://schemas.openxmlformats.org/presentationml/2006/ole">
             <mc:AlternateContent xmlns:mc="http://schemas.openxmlformats.org/markup-compatibility/2006">
               <mc:Choice xmlns:v="urn:schemas-microsoft-com:vml" Requires="v">
-                <p:oleObj spid="_x0000_s16401" name="Equation" r:id="rId4" imgW="435285" imgH="677109" progId="Equation.DSMT4">
+                <p:oleObj spid="_x0000_s16403" name="Equation" r:id="rId4" imgW="435285" imgH="677109" progId="Equation.DSMT4">
                   <p:embed/>
                 </p:oleObj>
               </mc:Choice>
@@ -8367,13 +8264,7 @@
               <a:rPr lang="en-US" sz="1000" dirty="0" smtClean="0">
                 <a:latin typeface="Comic Sans MS" pitchFamily="66" charset="0"/>
               </a:rPr>
-              <a:t> </a:t>
-            </a:r>
-            <a:r>
-              <a:rPr lang="en-US" sz="1000" dirty="0" smtClean="0">
-                <a:latin typeface="Comic Sans MS" pitchFamily="66" charset="0"/>
-              </a:rPr>
-              <a:t>11M.24</a:t>
+              <a:t> 11M.24</a:t>
             </a:r>
             <a:endParaRPr lang="en-US" sz="1000" dirty="0">
               <a:latin typeface="Comic Sans MS" pitchFamily="66" charset="0"/>
@@ -8397,7 +8288,7 @@
           <a:graphicData uri="http://schemas.openxmlformats.org/presentationml/2006/ole">
             <mc:AlternateContent xmlns:mc="http://schemas.openxmlformats.org/markup-compatibility/2006">
               <mc:Choice xmlns:v="urn:schemas-microsoft-com:vml" Requires="v">
-                <p:oleObj spid="_x0000_s17439" name="Equation" r:id="rId4" imgW="435285" imgH="677109" progId="Equation.DSMT4">
+                <p:oleObj spid="_x0000_s17442" name="Equation" r:id="rId4" imgW="435285" imgH="677109" progId="Equation.DSMT4">
                   <p:embed/>
                 </p:oleObj>
               </mc:Choice>
@@ -8646,7 +8537,7 @@
           <a:graphicData uri="http://schemas.openxmlformats.org/presentationml/2006/ole">
             <mc:AlternateContent xmlns:mc="http://schemas.openxmlformats.org/markup-compatibility/2006">
               <mc:Choice xmlns:v="urn:schemas-microsoft-com:vml" Requires="v">
-                <p:oleObj spid="_x0000_s17440" name="Equation" r:id="rId6" imgW="1473200" imgH="736600" progId="Equation.DSMT4">
+                <p:oleObj spid="_x0000_s17443" name="Equation" r:id="rId6" imgW="1473200" imgH="736600" progId="Equation.DSMT4">
                   <p:embed/>
                 </p:oleObj>
               </mc:Choice>
@@ -8783,13 +8674,7 @@
               <a:rPr lang="en-US" sz="1000" dirty="0" smtClean="0">
                 <a:latin typeface="Comic Sans MS" pitchFamily="66" charset="0"/>
               </a:rPr>
-              <a:t> </a:t>
-            </a:r>
-            <a:r>
-              <a:rPr lang="en-US" sz="1000" dirty="0" smtClean="0">
-                <a:latin typeface="Comic Sans MS" pitchFamily="66" charset="0"/>
-              </a:rPr>
-              <a:t>11M.25</a:t>
+              <a:t> 11M.25</a:t>
             </a:r>
             <a:endParaRPr lang="en-US" sz="1000" dirty="0">
               <a:latin typeface="Comic Sans MS" pitchFamily="66" charset="0"/>
@@ -8813,7 +8698,7 @@
           <a:graphicData uri="http://schemas.openxmlformats.org/presentationml/2006/ole">
             <mc:AlternateContent xmlns:mc="http://schemas.openxmlformats.org/markup-compatibility/2006">
               <mc:Choice xmlns:v="urn:schemas-microsoft-com:vml" Requires="v">
-                <p:oleObj spid="_x0000_s18460" name="Equation" r:id="rId4" imgW="435285" imgH="677109" progId="Equation.DSMT4">
+                <p:oleObj spid="_x0000_s18463" name="Equation" r:id="rId4" imgW="435285" imgH="677109" progId="Equation.DSMT4">
                   <p:embed/>
                 </p:oleObj>
               </mc:Choice>
@@ -8948,7 +8833,7 @@
           <a:graphicData uri="http://schemas.openxmlformats.org/presentationml/2006/ole">
             <mc:AlternateContent xmlns:mc="http://schemas.openxmlformats.org/markup-compatibility/2006">
               <mc:Choice xmlns:v="urn:schemas-microsoft-com:vml" Requires="v">
-                <p:oleObj spid="_x0000_s18461" name="Equation" r:id="rId6" imgW="1473200" imgH="850900" progId="Equation.DSMT4">
+                <p:oleObj spid="_x0000_s18464" name="Equation" r:id="rId6" imgW="1473200" imgH="850900" progId="Equation.DSMT4">
                   <p:embed/>
                 </p:oleObj>
               </mc:Choice>
@@ -9199,13 +9084,7 @@
               <a:rPr lang="en-US" sz="1000" dirty="0" smtClean="0">
                 <a:latin typeface="Comic Sans MS" pitchFamily="66" charset="0"/>
               </a:rPr>
-              <a:t> </a:t>
-            </a:r>
-            <a:r>
-              <a:rPr lang="en-US" sz="1000" dirty="0" smtClean="0">
-                <a:latin typeface="Comic Sans MS" pitchFamily="66" charset="0"/>
-              </a:rPr>
-              <a:t>11M.26</a:t>
+              <a:t> 11M.26</a:t>
             </a:r>
             <a:endParaRPr lang="en-US" sz="1000" dirty="0">
               <a:latin typeface="Comic Sans MS" pitchFamily="66" charset="0"/>
@@ -9229,7 +9108,7 @@
           <a:graphicData uri="http://schemas.openxmlformats.org/presentationml/2006/ole">
             <mc:AlternateContent xmlns:mc="http://schemas.openxmlformats.org/markup-compatibility/2006">
               <mc:Choice xmlns:v="urn:schemas-microsoft-com:vml" Requires="v">
-                <p:oleObj spid="_x0000_s19484" name="Equation" r:id="rId4" imgW="435285" imgH="677109" progId="Equation.DSMT4">
+                <p:oleObj spid="_x0000_s19487" name="Equation" r:id="rId4" imgW="435285" imgH="677109" progId="Equation.DSMT4">
                   <p:embed/>
                 </p:oleObj>
               </mc:Choice>
@@ -9364,7 +9243,7 @@
           <a:graphicData uri="http://schemas.openxmlformats.org/presentationml/2006/ole">
             <mc:AlternateContent xmlns:mc="http://schemas.openxmlformats.org/markup-compatibility/2006">
               <mc:Choice xmlns:v="urn:schemas-microsoft-com:vml" Requires="v">
-                <p:oleObj spid="_x0000_s19485" name="Equation" r:id="rId6" imgW="1473200" imgH="850900" progId="Equation.DSMT4">
+                <p:oleObj spid="_x0000_s19488" name="Equation" r:id="rId6" imgW="1473200" imgH="850900" progId="Equation.DSMT4">
                   <p:embed/>
                 </p:oleObj>
               </mc:Choice>
@@ -9801,13 +9680,7 @@
               <a:rPr lang="en-US" sz="1000" dirty="0" smtClean="0">
                 <a:latin typeface="Comic Sans MS" pitchFamily="66" charset="0"/>
               </a:rPr>
-              <a:t> </a:t>
-            </a:r>
-            <a:r>
-              <a:rPr lang="en-US" sz="1000" dirty="0" smtClean="0">
-                <a:latin typeface="Comic Sans MS" pitchFamily="66" charset="0"/>
-              </a:rPr>
-              <a:t>11M.27</a:t>
+              <a:t> 11M.27</a:t>
             </a:r>
             <a:endParaRPr lang="en-US" sz="1000" dirty="0">
               <a:latin typeface="Comic Sans MS" pitchFamily="66" charset="0"/>
@@ -9884,7 +9757,7 @@
           <a:graphicData uri="http://schemas.openxmlformats.org/presentationml/2006/ole">
             <mc:AlternateContent xmlns:mc="http://schemas.openxmlformats.org/markup-compatibility/2006">
               <mc:Choice xmlns:v="urn:schemas-microsoft-com:vml" Requires="v">
-                <p:oleObj spid="_x0000_s20508" name="Equation" r:id="rId4" imgW="435285" imgH="677109" progId="Equation.DSMT4">
+                <p:oleObj spid="_x0000_s20511" name="Equation" r:id="rId4" imgW="435285" imgH="677109" progId="Equation.DSMT4">
                   <p:embed/>
                 </p:oleObj>
               </mc:Choice>
@@ -9954,7 +9827,7 @@
           <a:graphicData uri="http://schemas.openxmlformats.org/presentationml/2006/ole">
             <mc:AlternateContent xmlns:mc="http://schemas.openxmlformats.org/markup-compatibility/2006">
               <mc:Choice xmlns:v="urn:schemas-microsoft-com:vml" Requires="v">
-                <p:oleObj spid="_x0000_s20509" name="Equation" r:id="rId6" imgW="990600" imgH="596900" progId="Equation.DSMT4">
+                <p:oleObj spid="_x0000_s20512" name="Equation" r:id="rId6" imgW="990600" imgH="596900" progId="Equation.DSMT4">
                   <p:embed/>
                 </p:oleObj>
               </mc:Choice>
@@ -10167,13 +10040,7 @@
               <a:rPr lang="en-US" sz="1000" dirty="0" smtClean="0">
                 <a:latin typeface="Comic Sans MS" pitchFamily="66" charset="0"/>
               </a:rPr>
-              <a:t> </a:t>
-            </a:r>
-            <a:r>
-              <a:rPr lang="en-US" sz="1000" dirty="0" smtClean="0">
-                <a:latin typeface="Comic Sans MS" pitchFamily="66" charset="0"/>
-              </a:rPr>
-              <a:t>11M.28</a:t>
+              <a:t> 11M.28</a:t>
             </a:r>
             <a:endParaRPr lang="en-US" sz="1000" dirty="0">
               <a:latin typeface="Comic Sans MS" pitchFamily="66" charset="0"/>
@@ -10197,7 +10064,7 @@
           <a:graphicData uri="http://schemas.openxmlformats.org/presentationml/2006/ole">
             <mc:AlternateContent xmlns:mc="http://schemas.openxmlformats.org/markup-compatibility/2006">
               <mc:Choice xmlns:v="urn:schemas-microsoft-com:vml" Requires="v">
-                <p:oleObj spid="_x0000_s21532" name="Equation" r:id="rId4" imgW="435285" imgH="677109" progId="Equation.DSMT4">
+                <p:oleObj spid="_x0000_s21535" name="Equation" r:id="rId4" imgW="435285" imgH="677109" progId="Equation.DSMT4">
                   <p:embed/>
                 </p:oleObj>
               </mc:Choice>
@@ -10267,7 +10134,7 @@
           <a:graphicData uri="http://schemas.openxmlformats.org/presentationml/2006/ole">
             <mc:AlternateContent xmlns:mc="http://schemas.openxmlformats.org/markup-compatibility/2006">
               <mc:Choice xmlns:v="urn:schemas-microsoft-com:vml" Requires="v">
-                <p:oleObj spid="_x0000_s21533" name="Equation" r:id="rId6" imgW="876300" imgH="812800" progId="Equation.DSMT4">
+                <p:oleObj spid="_x0000_s21536" name="Equation" r:id="rId6" imgW="876300" imgH="812800" progId="Equation.DSMT4">
                   <p:embed/>
                 </p:oleObj>
               </mc:Choice>
@@ -10679,13 +10546,7 @@
               <a:rPr lang="en-US" sz="1000" dirty="0" smtClean="0">
                 <a:latin typeface="Comic Sans MS" pitchFamily="66" charset="0"/>
               </a:rPr>
-              <a:t> </a:t>
-            </a:r>
-            <a:r>
-              <a:rPr lang="en-US" sz="1000" dirty="0" smtClean="0">
-                <a:latin typeface="Comic Sans MS" pitchFamily="66" charset="0"/>
-              </a:rPr>
-              <a:t>11M.29</a:t>
+              <a:t> 11M.29</a:t>
             </a:r>
             <a:endParaRPr lang="en-US" sz="1000" dirty="0">
               <a:latin typeface="Comic Sans MS" pitchFamily="66" charset="0"/>
@@ -10709,7 +10570,7 @@
           <a:graphicData uri="http://schemas.openxmlformats.org/presentationml/2006/ole">
             <mc:AlternateContent xmlns:mc="http://schemas.openxmlformats.org/markup-compatibility/2006">
               <mc:Choice xmlns:v="urn:schemas-microsoft-com:vml" Requires="v">
-                <p:oleObj spid="_x0000_s22569" name="Equation" r:id="rId4" imgW="435285" imgH="677109" progId="Equation.DSMT4">
+                <p:oleObj spid="_x0000_s22573" name="Equation" r:id="rId4" imgW="435285" imgH="677109" progId="Equation.DSMT4">
                   <p:embed/>
                 </p:oleObj>
               </mc:Choice>
@@ -10779,7 +10640,7 @@
           <a:graphicData uri="http://schemas.openxmlformats.org/presentationml/2006/ole">
             <mc:AlternateContent xmlns:mc="http://schemas.openxmlformats.org/markup-compatibility/2006">
               <mc:Choice xmlns:v="urn:schemas-microsoft-com:vml" Requires="v">
-                <p:oleObj spid="_x0000_s22570" name="Equation" r:id="rId6" imgW="952500" imgH="571500" progId="Equation.DSMT4">
+                <p:oleObj spid="_x0000_s22574" name="Equation" r:id="rId6" imgW="952500" imgH="571500" progId="Equation.DSMT4">
                   <p:embed/>
                 </p:oleObj>
               </mc:Choice>
@@ -10966,7 +10827,7 @@
           <a:graphicData uri="http://schemas.openxmlformats.org/presentationml/2006/ole">
             <mc:AlternateContent xmlns:mc="http://schemas.openxmlformats.org/markup-compatibility/2006">
               <mc:Choice xmlns:v="urn:schemas-microsoft-com:vml" Requires="v">
-                <p:oleObj spid="_x0000_s22571" name="Equation" r:id="rId8" imgW="977900" imgH="533400" progId="Equation.DSMT4">
+                <p:oleObj spid="_x0000_s22575" name="Equation" r:id="rId8" imgW="977900" imgH="533400" progId="Equation.DSMT4">
                   <p:embed/>
                 </p:oleObj>
               </mc:Choice>
